--- a/09 seminário NID/PPT Seminário NID Yduqs Wyden UniRuy 2023_2 Leon.pptx
+++ b/09 seminário NID/PPT Seminário NID Yduqs Wyden UniRuy 2023_2 Leon.pptx
@@ -320,7 +320,7 @@
   </p:defaultTextStyle>
   <p:extLst>
     <p:ext uri="{EFAFB233-063F-42B5-8137-9DF3F51BA10A}">
-      <p15:sldGuideLst xmlns="" xmlns:p15="http://schemas.microsoft.com/office/powerpoint/2012/main">
+      <p15:sldGuideLst xmlns:p15="http://schemas.microsoft.com/office/powerpoint/2012/main">
         <p15:guide id="1" orient="horz" pos="1620">
           <p15:clr>
             <a:srgbClr val="A4A3A4"/>
@@ -334,7 +334,7 @@
       </p15:sldGuideLst>
     </p:ext>
     <p:ext uri="{2D200454-40CA-4A62-9FC3-DE9A4176ACB9}">
-      <p15:notesGuideLst xmlns="" xmlns:p15="http://schemas.microsoft.com/office/powerpoint/2012/main"/>
+      <p15:notesGuideLst xmlns:p15="http://schemas.microsoft.com/office/powerpoint/2012/main"/>
     </p:ext>
   </p:extLst>
 </p:presentation>
@@ -419,7 +419,7 @@
     </p:spTree>
     <p:extLst>
       <p:ext uri="{BB962C8B-B14F-4D97-AF65-F5344CB8AC3E}">
-        <p14:creationId xmlns="" xmlns:p14="http://schemas.microsoft.com/office/powerpoint/2010/main" val="88096089"/>
+        <p14:creationId xmlns:p14="http://schemas.microsoft.com/office/powerpoint/2010/main" val="88096089"/>
       </p:ext>
     </p:extLst>
   </p:cSld>
@@ -523,7 +523,7 @@
           <p:cNvPr id="5" name="Retângulo 4">
             <a:extLst>
               <a:ext uri="{FF2B5EF4-FFF2-40B4-BE49-F238E27FC236}">
-                <a16:creationId xmlns="" xmlns:a16="http://schemas.microsoft.com/office/drawing/2014/main" id="{B72BE2E5-C53B-4115-9A54-D8BA6D9E1998}"/>
+                <a16:creationId xmlns:a16="http://schemas.microsoft.com/office/drawing/2014/main" id="{B72BE2E5-C53B-4115-9A54-D8BA6D9E1998}"/>
               </a:ext>
             </a:extLst>
           </p:cNvPr>
@@ -605,7 +605,7 @@
           <p:cNvPr id="7" name="Gráfico 6">
             <a:extLst>
               <a:ext uri="{FF2B5EF4-FFF2-40B4-BE49-F238E27FC236}">
-                <a16:creationId xmlns="" xmlns:a16="http://schemas.microsoft.com/office/drawing/2014/main" id="{92FBB75D-85BB-43BF-A75C-9700D9C7213A}"/>
+                <a16:creationId xmlns:a16="http://schemas.microsoft.com/office/drawing/2014/main" id="{92FBB75D-85BB-43BF-A75C-9700D9C7213A}"/>
               </a:ext>
             </a:extLst>
           </p:cNvPr>
@@ -618,7 +618,7 @@
           <a:blip r:embed="rId2" cstate="print">
             <a:extLst>
               <a:ext uri="{96DAC541-7B7A-43D3-8B79-37D633B846F1}">
-                <asvg:svgBlip xmlns="" xmlns:asvg="http://schemas.microsoft.com/office/drawing/2016/SVG/main" r:embed="rId3"/>
+                <asvg:svgBlip xmlns:asvg="http://schemas.microsoft.com/office/drawing/2016/SVG/main" r:embed="rId3"/>
               </a:ext>
             </a:extLst>
           </a:blip>
@@ -641,7 +641,7 @@
           <p:cNvPr id="8" name="Gráfico 7">
             <a:extLst>
               <a:ext uri="{FF2B5EF4-FFF2-40B4-BE49-F238E27FC236}">
-                <a16:creationId xmlns="" xmlns:a16="http://schemas.microsoft.com/office/drawing/2014/main" id="{2AD26EA1-9748-44E3-B232-07330DFDB228}"/>
+                <a16:creationId xmlns:a16="http://schemas.microsoft.com/office/drawing/2014/main" id="{2AD26EA1-9748-44E3-B232-07330DFDB228}"/>
               </a:ext>
             </a:extLst>
           </p:cNvPr>
@@ -654,7 +654,7 @@
           <a:blip r:embed="rId4" cstate="print">
             <a:extLst>
               <a:ext uri="{96DAC541-7B7A-43D3-8B79-37D633B846F1}">
-                <asvg:svgBlip xmlns="" xmlns:asvg="http://schemas.microsoft.com/office/drawing/2016/SVG/main" r:embed="rId5"/>
+                <asvg:svgBlip xmlns:asvg="http://schemas.microsoft.com/office/drawing/2016/SVG/main" r:embed="rId5"/>
               </a:ext>
             </a:extLst>
           </a:blip>
@@ -874,7 +874,7 @@
           <p:cNvPr id="7" name="Retângulo 6">
             <a:extLst>
               <a:ext uri="{FF2B5EF4-FFF2-40B4-BE49-F238E27FC236}">
-                <a16:creationId xmlns="" xmlns:a16="http://schemas.microsoft.com/office/drawing/2014/main" id="{2F2456B8-1030-4813-B77D-CFBEB0573812}"/>
+                <a16:creationId xmlns:a16="http://schemas.microsoft.com/office/drawing/2014/main" id="{2F2456B8-1030-4813-B77D-CFBEB0573812}"/>
               </a:ext>
             </a:extLst>
           </p:cNvPr>
@@ -956,7 +956,7 @@
           <p:cNvPr id="8" name="Gráfico 7">
             <a:extLst>
               <a:ext uri="{FF2B5EF4-FFF2-40B4-BE49-F238E27FC236}">
-                <a16:creationId xmlns="" xmlns:a16="http://schemas.microsoft.com/office/drawing/2014/main" id="{107B511C-2EB3-40D0-BCAC-2B9DB5137B0A}"/>
+                <a16:creationId xmlns:a16="http://schemas.microsoft.com/office/drawing/2014/main" id="{107B511C-2EB3-40D0-BCAC-2B9DB5137B0A}"/>
               </a:ext>
             </a:extLst>
           </p:cNvPr>
@@ -969,7 +969,7 @@
           <a:blip r:embed="rId2" cstate="print">
             <a:extLst>
               <a:ext uri="{96DAC541-7B7A-43D3-8B79-37D633B846F1}">
-                <asvg:svgBlip xmlns="" xmlns:asvg="http://schemas.microsoft.com/office/drawing/2016/SVG/main" r:embed="rId3"/>
+                <asvg:svgBlip xmlns:asvg="http://schemas.microsoft.com/office/drawing/2016/SVG/main" r:embed="rId3"/>
               </a:ext>
             </a:extLst>
           </a:blip>
@@ -1175,7 +1175,7 @@
           <p:cNvPr id="6" name="Retângulo 5">
             <a:extLst>
               <a:ext uri="{FF2B5EF4-FFF2-40B4-BE49-F238E27FC236}">
-                <a16:creationId xmlns="" xmlns:a16="http://schemas.microsoft.com/office/drawing/2014/main" id="{56EBB230-F7F9-40F8-A09E-9AB050F119BB}"/>
+                <a16:creationId xmlns:a16="http://schemas.microsoft.com/office/drawing/2014/main" id="{56EBB230-F7F9-40F8-A09E-9AB050F119BB}"/>
               </a:ext>
             </a:extLst>
           </p:cNvPr>
@@ -1257,7 +1257,7 @@
           <p:cNvPr id="7" name="Gráfico 6">
             <a:extLst>
               <a:ext uri="{FF2B5EF4-FFF2-40B4-BE49-F238E27FC236}">
-                <a16:creationId xmlns="" xmlns:a16="http://schemas.microsoft.com/office/drawing/2014/main" id="{F0E84E17-BDC1-41DD-97A2-C32AFF1C414C}"/>
+                <a16:creationId xmlns:a16="http://schemas.microsoft.com/office/drawing/2014/main" id="{F0E84E17-BDC1-41DD-97A2-C32AFF1C414C}"/>
               </a:ext>
             </a:extLst>
           </p:cNvPr>
@@ -1270,7 +1270,7 @@
           <a:blip r:embed="rId2" cstate="print">
             <a:extLst>
               <a:ext uri="{96DAC541-7B7A-43D3-8B79-37D633B846F1}">
-                <asvg:svgBlip xmlns="" xmlns:asvg="http://schemas.microsoft.com/office/drawing/2016/SVG/main" r:embed="rId3"/>
+                <asvg:svgBlip xmlns:asvg="http://schemas.microsoft.com/office/drawing/2016/SVG/main" r:embed="rId3"/>
               </a:ext>
             </a:extLst>
           </a:blip>
@@ -1486,7 +1486,7 @@
           <p:cNvPr id="6" name="Retângulo 5">
             <a:extLst>
               <a:ext uri="{FF2B5EF4-FFF2-40B4-BE49-F238E27FC236}">
-                <a16:creationId xmlns="" xmlns:a16="http://schemas.microsoft.com/office/drawing/2014/main" id="{0440BD70-AE55-46A6-B9E1-7E6B4A3E2597}"/>
+                <a16:creationId xmlns:a16="http://schemas.microsoft.com/office/drawing/2014/main" id="{0440BD70-AE55-46A6-B9E1-7E6B4A3E2597}"/>
               </a:ext>
             </a:extLst>
           </p:cNvPr>
@@ -1568,7 +1568,7 @@
           <p:cNvPr id="7" name="Gráfico 6">
             <a:extLst>
               <a:ext uri="{FF2B5EF4-FFF2-40B4-BE49-F238E27FC236}">
-                <a16:creationId xmlns="" xmlns:a16="http://schemas.microsoft.com/office/drawing/2014/main" id="{C3AB3B02-E76C-4FAB-AD1B-354C5F1CDE81}"/>
+                <a16:creationId xmlns:a16="http://schemas.microsoft.com/office/drawing/2014/main" id="{C3AB3B02-E76C-4FAB-AD1B-354C5F1CDE81}"/>
               </a:ext>
             </a:extLst>
           </p:cNvPr>
@@ -1581,7 +1581,7 @@
           <a:blip r:embed="rId2" cstate="print">
             <a:extLst>
               <a:ext uri="{96DAC541-7B7A-43D3-8B79-37D633B846F1}">
-                <asvg:svgBlip xmlns="" xmlns:asvg="http://schemas.microsoft.com/office/drawing/2016/SVG/main" r:embed="rId3"/>
+                <asvg:svgBlip xmlns:asvg="http://schemas.microsoft.com/office/drawing/2016/SVG/main" r:embed="rId3"/>
               </a:ext>
             </a:extLst>
           </a:blip>
@@ -1630,7 +1630,7 @@
           <p:cNvPr id="8" name="Rectangle 3">
             <a:extLst>
               <a:ext uri="{FF2B5EF4-FFF2-40B4-BE49-F238E27FC236}">
-                <a16:creationId xmlns="" xmlns:a16="http://schemas.microsoft.com/office/drawing/2014/main" id="{1697169F-C56B-4189-A307-A2853A306BC5}"/>
+                <a16:creationId xmlns:a16="http://schemas.microsoft.com/office/drawing/2014/main" id="{1697169F-C56B-4189-A307-A2853A306BC5}"/>
               </a:ext>
             </a:extLst>
           </p:cNvPr>
@@ -1709,7 +1709,7 @@
           <p:cNvPr id="10" name="Gráfico 9">
             <a:extLst>
               <a:ext uri="{FF2B5EF4-FFF2-40B4-BE49-F238E27FC236}">
-                <a16:creationId xmlns="" xmlns:a16="http://schemas.microsoft.com/office/drawing/2014/main" id="{C0A207C0-B955-4401-AF12-CF53242709A6}"/>
+                <a16:creationId xmlns:a16="http://schemas.microsoft.com/office/drawing/2014/main" id="{C0A207C0-B955-4401-AF12-CF53242709A6}"/>
               </a:ext>
             </a:extLst>
           </p:cNvPr>
@@ -1722,7 +1722,7 @@
           <a:blip r:embed="rId2" cstate="print">
             <a:extLst>
               <a:ext uri="{96DAC541-7B7A-43D3-8B79-37D633B846F1}">
-                <asvg:svgBlip xmlns="" xmlns:asvg="http://schemas.microsoft.com/office/drawing/2016/SVG/main" r:embed="rId3"/>
+                <asvg:svgBlip xmlns:asvg="http://schemas.microsoft.com/office/drawing/2016/SVG/main" r:embed="rId3"/>
               </a:ext>
             </a:extLst>
           </a:blip>
@@ -1745,7 +1745,7 @@
           <p:cNvPr id="7" name="Gráfico 6">
             <a:extLst>
               <a:ext uri="{FF2B5EF4-FFF2-40B4-BE49-F238E27FC236}">
-                <a16:creationId xmlns="" xmlns:a16="http://schemas.microsoft.com/office/drawing/2014/main" id="{45798619-212D-4D1E-81CE-D5B296300E89}"/>
+                <a16:creationId xmlns:a16="http://schemas.microsoft.com/office/drawing/2014/main" id="{45798619-212D-4D1E-81CE-D5B296300E89}"/>
               </a:ext>
             </a:extLst>
           </p:cNvPr>
@@ -1758,7 +1758,7 @@
           <a:blip r:embed="rId4" cstate="print">
             <a:extLst>
               <a:ext uri="{96DAC541-7B7A-43D3-8B79-37D633B846F1}">
-                <asvg:svgBlip xmlns="" xmlns:asvg="http://schemas.microsoft.com/office/drawing/2016/SVG/main" r:embed="rId5"/>
+                <asvg:svgBlip xmlns:asvg="http://schemas.microsoft.com/office/drawing/2016/SVG/main" r:embed="rId5"/>
               </a:ext>
             </a:extLst>
           </a:blip>
@@ -1779,7 +1779,7 @@
     </p:spTree>
     <p:extLst>
       <p:ext uri="{BB962C8B-B14F-4D97-AF65-F5344CB8AC3E}">
-        <p14:creationId xmlns="" xmlns:p14="http://schemas.microsoft.com/office/powerpoint/2010/main" val="1366863095"/>
+        <p14:creationId xmlns:p14="http://schemas.microsoft.com/office/powerpoint/2010/main" val="1366863095"/>
       </p:ext>
     </p:extLst>
   </p:cSld>
@@ -1812,7 +1812,7 @@
           <p:cNvPr id="6" name="Rectangle 8">
             <a:extLst>
               <a:ext uri="{FF2B5EF4-FFF2-40B4-BE49-F238E27FC236}">
-                <a16:creationId xmlns="" xmlns:a16="http://schemas.microsoft.com/office/drawing/2014/main" id="{BD69EDC2-B707-4557-B0E8-CC7659A79FAE}"/>
+                <a16:creationId xmlns:a16="http://schemas.microsoft.com/office/drawing/2014/main" id="{BD69EDC2-B707-4557-B0E8-CC7659A79FAE}"/>
               </a:ext>
             </a:extLst>
           </p:cNvPr>
@@ -1900,7 +1900,7 @@
           <p:cNvPr id="4" name="Gráfico 3">
             <a:extLst>
               <a:ext uri="{FF2B5EF4-FFF2-40B4-BE49-F238E27FC236}">
-                <a16:creationId xmlns="" xmlns:a16="http://schemas.microsoft.com/office/drawing/2014/main" id="{F1D5B860-F608-404D-A6E3-55CFD790873C}"/>
+                <a16:creationId xmlns:a16="http://schemas.microsoft.com/office/drawing/2014/main" id="{F1D5B860-F608-404D-A6E3-55CFD790873C}"/>
               </a:ext>
             </a:extLst>
           </p:cNvPr>
@@ -1913,7 +1913,7 @@
           <a:blip r:embed="rId2" cstate="print">
             <a:extLst>
               <a:ext uri="{96DAC541-7B7A-43D3-8B79-37D633B846F1}">
-                <asvg:svgBlip xmlns="" xmlns:asvg="http://schemas.microsoft.com/office/drawing/2016/SVG/main" r:embed="rId3"/>
+                <asvg:svgBlip xmlns:asvg="http://schemas.microsoft.com/office/drawing/2016/SVG/main" r:embed="rId3"/>
               </a:ext>
             </a:extLst>
           </a:blip>
@@ -1934,7 +1934,7 @@
     </p:spTree>
     <p:extLst>
       <p:ext uri="{BB962C8B-B14F-4D97-AF65-F5344CB8AC3E}">
-        <p14:creationId xmlns="" xmlns:p14="http://schemas.microsoft.com/office/powerpoint/2010/main" val="413325872"/>
+        <p14:creationId xmlns:p14="http://schemas.microsoft.com/office/powerpoint/2010/main" val="413325872"/>
       </p:ext>
     </p:extLst>
   </p:cSld>
@@ -2185,7 +2185,7 @@
           <p:cNvPr id="8" name="Retângulo 7">
             <a:extLst>
               <a:ext uri="{FF2B5EF4-FFF2-40B4-BE49-F238E27FC236}">
-                <a16:creationId xmlns="" xmlns:a16="http://schemas.microsoft.com/office/drawing/2014/main" id="{382CD95A-A8A7-4A28-A57B-5AFF58CAE495}"/>
+                <a16:creationId xmlns:a16="http://schemas.microsoft.com/office/drawing/2014/main" id="{382CD95A-A8A7-4A28-A57B-5AFF58CAE495}"/>
               </a:ext>
             </a:extLst>
           </p:cNvPr>
@@ -2267,7 +2267,7 @@
           <p:cNvPr id="7" name="Gráfico 6">
             <a:extLst>
               <a:ext uri="{FF2B5EF4-FFF2-40B4-BE49-F238E27FC236}">
-                <a16:creationId xmlns="" xmlns:a16="http://schemas.microsoft.com/office/drawing/2014/main" id="{D12BF48C-4100-432C-A72C-2CA72BFD98DF}"/>
+                <a16:creationId xmlns:a16="http://schemas.microsoft.com/office/drawing/2014/main" id="{D12BF48C-4100-432C-A72C-2CA72BFD98DF}"/>
               </a:ext>
             </a:extLst>
           </p:cNvPr>
@@ -2280,7 +2280,7 @@
           <a:blip r:embed="rId2" cstate="print">
             <a:extLst>
               <a:ext uri="{96DAC541-7B7A-43D3-8B79-37D633B846F1}">
-                <asvg:svgBlip xmlns="" xmlns:asvg="http://schemas.microsoft.com/office/drawing/2016/SVG/main" r:embed="rId3"/>
+                <asvg:svgBlip xmlns:asvg="http://schemas.microsoft.com/office/drawing/2016/SVG/main" r:embed="rId3"/>
               </a:ext>
             </a:extLst>
           </a:blip>
@@ -2301,7 +2301,7 @@
     </p:spTree>
     <p:extLst>
       <p:ext uri="{BB962C8B-B14F-4D97-AF65-F5344CB8AC3E}">
-        <p14:creationId xmlns="" xmlns:p14="http://schemas.microsoft.com/office/powerpoint/2010/main" val="2610339174"/>
+        <p14:creationId xmlns:p14="http://schemas.microsoft.com/office/powerpoint/2010/main" val="2610339174"/>
       </p:ext>
     </p:extLst>
   </p:cSld>
@@ -2561,7 +2561,7 @@
           <p:cNvPr id="7" name="Retângulo 6">
             <a:extLst>
               <a:ext uri="{FF2B5EF4-FFF2-40B4-BE49-F238E27FC236}">
-                <a16:creationId xmlns="" xmlns:a16="http://schemas.microsoft.com/office/drawing/2014/main" id="{579B2584-D82A-434C-907E-5AD4708B4A5F}"/>
+                <a16:creationId xmlns:a16="http://schemas.microsoft.com/office/drawing/2014/main" id="{579B2584-D82A-434C-907E-5AD4708B4A5F}"/>
               </a:ext>
             </a:extLst>
           </p:cNvPr>
@@ -2643,7 +2643,7 @@
           <p:cNvPr id="6" name="Gráfico 5">
             <a:extLst>
               <a:ext uri="{FF2B5EF4-FFF2-40B4-BE49-F238E27FC236}">
-                <a16:creationId xmlns="" xmlns:a16="http://schemas.microsoft.com/office/drawing/2014/main" id="{0BA4A514-A3EF-435D-BF62-1B3935848647}"/>
+                <a16:creationId xmlns:a16="http://schemas.microsoft.com/office/drawing/2014/main" id="{0BA4A514-A3EF-435D-BF62-1B3935848647}"/>
               </a:ext>
             </a:extLst>
           </p:cNvPr>
@@ -2656,7 +2656,7 @@
           <a:blip r:embed="rId2" cstate="print">
             <a:extLst>
               <a:ext uri="{96DAC541-7B7A-43D3-8B79-37D633B846F1}">
-                <asvg:svgBlip xmlns="" xmlns:asvg="http://schemas.microsoft.com/office/drawing/2016/SVG/main" r:embed="rId3"/>
+                <asvg:svgBlip xmlns:asvg="http://schemas.microsoft.com/office/drawing/2016/SVG/main" r:embed="rId3"/>
               </a:ext>
             </a:extLst>
           </a:blip>
@@ -2903,7 +2903,7 @@
           <p:cNvPr id="7" name="Retângulo 6">
             <a:extLst>
               <a:ext uri="{FF2B5EF4-FFF2-40B4-BE49-F238E27FC236}">
-                <a16:creationId xmlns="" xmlns:a16="http://schemas.microsoft.com/office/drawing/2014/main" id="{98A7463F-7713-42EA-8A15-BDA2961FCD24}"/>
+                <a16:creationId xmlns:a16="http://schemas.microsoft.com/office/drawing/2014/main" id="{98A7463F-7713-42EA-8A15-BDA2961FCD24}"/>
               </a:ext>
             </a:extLst>
           </p:cNvPr>
@@ -2985,7 +2985,7 @@
           <p:cNvPr id="6" name="Gráfico 5">
             <a:extLst>
               <a:ext uri="{FF2B5EF4-FFF2-40B4-BE49-F238E27FC236}">
-                <a16:creationId xmlns="" xmlns:a16="http://schemas.microsoft.com/office/drawing/2014/main" id="{07CC0238-F9AC-4816-B8CD-E40135A63426}"/>
+                <a16:creationId xmlns:a16="http://schemas.microsoft.com/office/drawing/2014/main" id="{07CC0238-F9AC-4816-B8CD-E40135A63426}"/>
               </a:ext>
             </a:extLst>
           </p:cNvPr>
@@ -2998,7 +2998,7 @@
           <a:blip r:embed="rId2" cstate="print">
             <a:extLst>
               <a:ext uri="{96DAC541-7B7A-43D3-8B79-37D633B846F1}">
-                <asvg:svgBlip xmlns="" xmlns:asvg="http://schemas.microsoft.com/office/drawing/2016/SVG/main" r:embed="rId3"/>
+                <asvg:svgBlip xmlns:asvg="http://schemas.microsoft.com/office/drawing/2016/SVG/main" r:embed="rId3"/>
               </a:ext>
             </a:extLst>
           </a:blip>
@@ -3083,7 +3083,7 @@
           <p:cNvPr id="13" name="Texto do Título">
             <a:extLst>
               <a:ext uri="{FF2B5EF4-FFF2-40B4-BE49-F238E27FC236}">
-                <a16:creationId xmlns="" xmlns:a16="http://schemas.microsoft.com/office/drawing/2014/main" id="{71A1DC59-F919-49D7-93AC-7F97FA44812B}"/>
+                <a16:creationId xmlns:a16="http://schemas.microsoft.com/office/drawing/2014/main" id="{71A1DC59-F919-49D7-93AC-7F97FA44812B}"/>
               </a:ext>
             </a:extLst>
           </p:cNvPr>
@@ -3128,7 +3128,7 @@
           <p:cNvPr id="14" name="Nível de Corpo Um…">
             <a:extLst>
               <a:ext uri="{FF2B5EF4-FFF2-40B4-BE49-F238E27FC236}">
-                <a16:creationId xmlns="" xmlns:a16="http://schemas.microsoft.com/office/drawing/2014/main" id="{DAE5C6F0-0EB8-4E38-B508-92B4D1C0536A}"/>
+                <a16:creationId xmlns:a16="http://schemas.microsoft.com/office/drawing/2014/main" id="{DAE5C6F0-0EB8-4E38-B508-92B4D1C0536A}"/>
               </a:ext>
             </a:extLst>
           </p:cNvPr>
@@ -3293,7 +3293,7 @@
           <p:cNvPr id="8" name="Retângulo 7">
             <a:extLst>
               <a:ext uri="{FF2B5EF4-FFF2-40B4-BE49-F238E27FC236}">
-                <a16:creationId xmlns="" xmlns:a16="http://schemas.microsoft.com/office/drawing/2014/main" id="{DB1D7A5D-A48A-4407-AC8A-A2B933367683}"/>
+                <a16:creationId xmlns:a16="http://schemas.microsoft.com/office/drawing/2014/main" id="{DB1D7A5D-A48A-4407-AC8A-A2B933367683}"/>
               </a:ext>
             </a:extLst>
           </p:cNvPr>
@@ -3375,7 +3375,7 @@
           <p:cNvPr id="7" name="Gráfico 6">
             <a:extLst>
               <a:ext uri="{FF2B5EF4-FFF2-40B4-BE49-F238E27FC236}">
-                <a16:creationId xmlns="" xmlns:a16="http://schemas.microsoft.com/office/drawing/2014/main" id="{CE9DF7DC-3AC6-4ACF-B842-7129C4314605}"/>
+                <a16:creationId xmlns:a16="http://schemas.microsoft.com/office/drawing/2014/main" id="{CE9DF7DC-3AC6-4ACF-B842-7129C4314605}"/>
               </a:ext>
             </a:extLst>
           </p:cNvPr>
@@ -3388,7 +3388,7 @@
           <a:blip r:embed="rId2" cstate="print">
             <a:extLst>
               <a:ext uri="{96DAC541-7B7A-43D3-8B79-37D633B846F1}">
-                <asvg:svgBlip xmlns="" xmlns:asvg="http://schemas.microsoft.com/office/drawing/2016/SVG/main" r:embed="rId3"/>
+                <asvg:svgBlip xmlns:asvg="http://schemas.microsoft.com/office/drawing/2016/SVG/main" r:embed="rId3"/>
               </a:ext>
             </a:extLst>
           </a:blip>
@@ -3437,7 +3437,7 @@
           <p:cNvPr id="4" name="Retângulo 3">
             <a:extLst>
               <a:ext uri="{FF2B5EF4-FFF2-40B4-BE49-F238E27FC236}">
-                <a16:creationId xmlns="" xmlns:a16="http://schemas.microsoft.com/office/drawing/2014/main" id="{478FD593-B78A-44C8-9101-48A080424BD4}"/>
+                <a16:creationId xmlns:a16="http://schemas.microsoft.com/office/drawing/2014/main" id="{478FD593-B78A-44C8-9101-48A080424BD4}"/>
               </a:ext>
             </a:extLst>
           </p:cNvPr>
@@ -3519,7 +3519,7 @@
           <p:cNvPr id="5" name="Gráfico 4">
             <a:extLst>
               <a:ext uri="{FF2B5EF4-FFF2-40B4-BE49-F238E27FC236}">
-                <a16:creationId xmlns="" xmlns:a16="http://schemas.microsoft.com/office/drawing/2014/main" id="{00C5646E-5BBA-42C0-BB13-DF961E3AF329}"/>
+                <a16:creationId xmlns:a16="http://schemas.microsoft.com/office/drawing/2014/main" id="{00C5646E-5BBA-42C0-BB13-DF961E3AF329}"/>
               </a:ext>
             </a:extLst>
           </p:cNvPr>
@@ -3532,7 +3532,7 @@
           <a:blip r:embed="rId2" cstate="print">
             <a:extLst>
               <a:ext uri="{96DAC541-7B7A-43D3-8B79-37D633B846F1}">
-                <asvg:svgBlip xmlns="" xmlns:asvg="http://schemas.microsoft.com/office/drawing/2016/SVG/main" r:embed="rId3"/>
+                <asvg:svgBlip xmlns:asvg="http://schemas.microsoft.com/office/drawing/2016/SVG/main" r:embed="rId3"/>
               </a:ext>
             </a:extLst>
           </a:blip>
@@ -3788,7 +3788,7 @@
           <p:cNvPr id="7" name="Retângulo 6">
             <a:extLst>
               <a:ext uri="{FF2B5EF4-FFF2-40B4-BE49-F238E27FC236}">
-                <a16:creationId xmlns="" xmlns:a16="http://schemas.microsoft.com/office/drawing/2014/main" id="{8F88ECC2-470E-4E41-8255-6900EE08FF82}"/>
+                <a16:creationId xmlns:a16="http://schemas.microsoft.com/office/drawing/2014/main" id="{8F88ECC2-470E-4E41-8255-6900EE08FF82}"/>
               </a:ext>
             </a:extLst>
           </p:cNvPr>
@@ -3870,7 +3870,7 @@
           <p:cNvPr id="8" name="Gráfico 7">
             <a:extLst>
               <a:ext uri="{FF2B5EF4-FFF2-40B4-BE49-F238E27FC236}">
-                <a16:creationId xmlns="" xmlns:a16="http://schemas.microsoft.com/office/drawing/2014/main" id="{007629A3-E5F3-4232-AC3E-7E773C88E96E}"/>
+                <a16:creationId xmlns:a16="http://schemas.microsoft.com/office/drawing/2014/main" id="{007629A3-E5F3-4232-AC3E-7E773C88E96E}"/>
               </a:ext>
             </a:extLst>
           </p:cNvPr>
@@ -3883,7 +3883,7 @@
           <a:blip r:embed="rId2" cstate="print">
             <a:extLst>
               <a:ext uri="{96DAC541-7B7A-43D3-8B79-37D633B846F1}">
-                <asvg:svgBlip xmlns="" xmlns:asvg="http://schemas.microsoft.com/office/drawing/2016/SVG/main" r:embed="rId3"/>
+                <asvg:svgBlip xmlns:asvg="http://schemas.microsoft.com/office/drawing/2016/SVG/main" r:embed="rId3"/>
               </a:ext>
             </a:extLst>
           </a:blip>
@@ -3958,7 +3958,7 @@
           </a:ln>
           <a:extLst>
             <a:ext uri="{C572A759-6A51-4108-AA02-DFA0A04FC94B}">
-              <ma14:wrappingTextBoxFlag xmlns="" xmlns:ma14="http://schemas.microsoft.com/office/mac/drawingml/2011/main" val="1"/>
+              <ma14:wrappingTextBoxFlag xmlns:ma14="http://schemas.microsoft.com/office/mac/drawingml/2011/main" xmlns="" val="1"/>
             </a:ext>
           </a:extLst>
         </p:spPr>
@@ -4007,7 +4007,7 @@
           </a:ln>
           <a:extLst>
             <a:ext uri="{C572A759-6A51-4108-AA02-DFA0A04FC94B}">
-              <ma14:wrappingTextBoxFlag xmlns="" xmlns:ma14="http://schemas.microsoft.com/office/mac/drawingml/2011/main" val="1"/>
+              <ma14:wrappingTextBoxFlag xmlns:ma14="http://schemas.microsoft.com/office/mac/drawingml/2011/main" xmlns="" val="1"/>
             </a:ext>
           </a:extLst>
         </p:spPr>
@@ -4956,7 +4956,7 @@
           <p:cNvPr id="8" name="Title 1">
             <a:extLst>
               <a:ext uri="{FF2B5EF4-FFF2-40B4-BE49-F238E27FC236}">
-                <a16:creationId xmlns="" xmlns:a16="http://schemas.microsoft.com/office/drawing/2014/main" id="{EBCB13E4-4A11-48C5-A5A3-7FAB1396ADAB}"/>
+                <a16:creationId xmlns:a16="http://schemas.microsoft.com/office/drawing/2014/main" id="{EBCB13E4-4A11-48C5-A5A3-7FAB1396ADAB}"/>
               </a:ext>
             </a:extLst>
           </p:cNvPr>
@@ -4978,7 +4978,7 @@
           </a:ln>
           <a:extLst>
             <a:ext uri="{C572A759-6A51-4108-AA02-DFA0A04FC94B}">
-              <ma14:wrappingTextBoxFlag xmlns="" xmlns:ma14="http://schemas.microsoft.com/office/mac/drawingml/2011/main" val="1"/>
+              <ma14:wrappingTextBoxFlag xmlns:ma14="http://schemas.microsoft.com/office/mac/drawingml/2011/main" xmlns="" val="1"/>
             </a:ext>
           </a:extLst>
         </p:spPr>
@@ -5312,7 +5312,23 @@
                   <a:schemeClr val="bg1"/>
                 </a:solidFill>
               </a:rPr>
-              <a:t>Formação Continuada em Tecnologias Digitais (Tópicos em Informática)</a:t>
+              <a:t>Formação </a:t>
+            </a:r>
+            <a:r>
+              <a:rPr lang="pt-BR" sz="4000" b="1">
+                <a:solidFill>
+                  <a:schemeClr val="bg1"/>
+                </a:solidFill>
+              </a:rPr>
+              <a:t>Continuada no Uso de </a:t>
+            </a:r>
+            <a:r>
+              <a:rPr lang="pt-BR" sz="4000" b="1" dirty="0">
+                <a:solidFill>
+                  <a:schemeClr val="bg1"/>
+                </a:solidFill>
+              </a:rPr>
+              <a:t>Tecnologias Digitais (Tópicos em Informática)</a:t>
             </a:r>
           </a:p>
         </p:txBody>
@@ -5322,7 +5338,7 @@
           <p:cNvPr id="2" name="Title 1">
             <a:extLst>
               <a:ext uri="{FF2B5EF4-FFF2-40B4-BE49-F238E27FC236}">
-                <a16:creationId xmlns="" xmlns:a16="http://schemas.microsoft.com/office/drawing/2014/main" id="{FD974EFB-1823-854F-EADA-689E053E3A06}"/>
+                <a16:creationId xmlns:a16="http://schemas.microsoft.com/office/drawing/2014/main" id="{FD974EFB-1823-854F-EADA-689E053E3A06}"/>
               </a:ext>
             </a:extLst>
           </p:cNvPr>
@@ -5344,7 +5360,7 @@
           </a:ln>
           <a:extLst>
             <a:ext uri="{C572A759-6A51-4108-AA02-DFA0A04FC94B}">
-              <ma14:wrappingTextBoxFlag xmlns="" xmlns:ma14="http://schemas.microsoft.com/office/mac/drawingml/2011/main" val="1"/>
+              <ma14:wrappingTextBoxFlag xmlns:ma14="http://schemas.microsoft.com/office/mac/drawingml/2011/main" xmlns="" val="1"/>
             </a:ext>
           </a:extLst>
         </p:spPr>
@@ -5629,21 +5645,8 @@
                   <a:schemeClr val="bg1"/>
                 </a:solidFill>
               </a:rPr>
-              <a:t>Palestrante(s): </a:t>
-            </a:r>
-            <a:r>
-              <a:rPr lang="pt-BR" sz="2800" b="1" dirty="0" smtClean="0">
-                <a:solidFill>
-                  <a:schemeClr val="bg1"/>
-                </a:solidFill>
-              </a:rPr>
-              <a:t>Julio Cesar Leal e Leon Leal</a:t>
-            </a:r>
-            <a:endParaRPr lang="pt-BR" sz="2800" b="1" dirty="0">
-              <a:solidFill>
-                <a:schemeClr val="bg1"/>
-              </a:solidFill>
-            </a:endParaRPr>
+              <a:t>Palestrante(s): Julio Cesar Leal e Leon Leal</a:t>
+            </a:r>
           </a:p>
         </p:txBody>
       </p:sp>
@@ -5652,7 +5655,7 @@
           <p:cNvPr id="3" name="Imagem 2" descr="Texto&#10;&#10;Descrição gerada automaticamente">
             <a:extLst>
               <a:ext uri="{FF2B5EF4-FFF2-40B4-BE49-F238E27FC236}">
-                <a16:creationId xmlns="" xmlns:a16="http://schemas.microsoft.com/office/drawing/2014/main" id="{8B5ED79D-4940-C615-06D3-2CC97C1982EC}"/>
+                <a16:creationId xmlns:a16="http://schemas.microsoft.com/office/drawing/2014/main" id="{8B5ED79D-4940-C615-06D3-2CC97C1982EC}"/>
               </a:ext>
             </a:extLst>
           </p:cNvPr>
@@ -5665,7 +5668,7 @@
           <a:blip r:embed="rId2">
             <a:extLst>
               <a:ext uri="{28A0092B-C50C-407E-A947-70E740481C1C}">
-                <a14:useLocalDpi xmlns="" xmlns:a14="http://schemas.microsoft.com/office/drawing/2010/main" val="0"/>
+                <a14:useLocalDpi xmlns:a14="http://schemas.microsoft.com/office/drawing/2010/main" val="0"/>
               </a:ext>
             </a:extLst>
           </a:blip>
@@ -5688,7 +5691,7 @@
           <p:cNvPr id="5" name="Title 1">
             <a:extLst>
               <a:ext uri="{FF2B5EF4-FFF2-40B4-BE49-F238E27FC236}">
-                <a16:creationId xmlns="" xmlns:a16="http://schemas.microsoft.com/office/drawing/2014/main" id="{751A2B4B-230F-8FEC-1662-8330C8CB0579}"/>
+                <a16:creationId xmlns:a16="http://schemas.microsoft.com/office/drawing/2014/main" id="{751A2B4B-230F-8FEC-1662-8330C8CB0579}"/>
               </a:ext>
             </a:extLst>
           </p:cNvPr>
@@ -5710,7 +5713,7 @@
           </a:ln>
           <a:extLst>
             <a:ext uri="{C572A759-6A51-4108-AA02-DFA0A04FC94B}">
-              <ma14:wrappingTextBoxFlag xmlns="" xmlns:ma14="http://schemas.microsoft.com/office/mac/drawingml/2011/main" val="1"/>
+              <ma14:wrappingTextBoxFlag xmlns:ma14="http://schemas.microsoft.com/office/mac/drawingml/2011/main" xmlns="" val="1"/>
             </a:ext>
           </a:extLst>
         </p:spPr>
@@ -6005,7 +6008,7 @@
           <p:cNvPr id="14" name="Imagem 13" descr="Logotipo, nome da empresa&#10;&#10;Descrição gerada automaticamente">
             <a:extLst>
               <a:ext uri="{FF2B5EF4-FFF2-40B4-BE49-F238E27FC236}">
-                <a16:creationId xmlns="" xmlns:a16="http://schemas.microsoft.com/office/drawing/2014/main" id="{8C49B55C-A2D0-7652-7966-0F236518C0B2}"/>
+                <a16:creationId xmlns:a16="http://schemas.microsoft.com/office/drawing/2014/main" id="{8C49B55C-A2D0-7652-7966-0F236518C0B2}"/>
               </a:ext>
             </a:extLst>
           </p:cNvPr>
@@ -6018,7 +6021,7 @@
           <a:blip r:embed="rId3" cstate="print">
             <a:extLst>
               <a:ext uri="{28A0092B-C50C-407E-A947-70E740481C1C}">
-                <a14:useLocalDpi xmlns="" xmlns:a14="http://schemas.microsoft.com/office/drawing/2010/main" val="0"/>
+                <a14:useLocalDpi xmlns:a14="http://schemas.microsoft.com/office/drawing/2010/main" val="0"/>
               </a:ext>
             </a:extLst>
           </a:blip>
@@ -6042,13 +6045,6 @@
     <a:masterClrMapping/>
   </p:clrMapOvr>
   <p:transition spd="med"/>
-  <p:timing>
-    <p:tnLst>
-      <p:par>
-        <p:cTn id="1" dur="indefinite" restart="never" nodeType="tmRoot"/>
-      </p:par>
-    </p:tnLst>
-  </p:timing>
 </p:sld>
 </file>
 
@@ -6074,7 +6070,7 @@
           <p:cNvPr id="7174" name="Picture 6" descr="ícone premio, com, uma, estrela Livre de Hawcons Sports Stroke">
             <a:extLst>
               <a:ext uri="{FF2B5EF4-FFF2-40B4-BE49-F238E27FC236}">
-                <a16:creationId xmlns="" xmlns:a16="http://schemas.microsoft.com/office/drawing/2014/main" id="{0DCBB5F1-1BA0-4EF0-8CDD-85ACE3E2E0DF}"/>
+                <a16:creationId xmlns:a16="http://schemas.microsoft.com/office/drawing/2014/main" id="{0DCBB5F1-1BA0-4EF0-8CDD-85ACE3E2E0DF}"/>
               </a:ext>
             </a:extLst>
           </p:cNvPr>
@@ -6098,7 +6094,7 @@
             <a:lum bright="70000" contrast="-70000"/>
             <a:extLst>
               <a:ext uri="{28A0092B-C50C-407E-A947-70E740481C1C}">
-                <a14:useLocalDpi xmlns="" xmlns:a14="http://schemas.microsoft.com/office/drawing/2010/main" val="0"/>
+                <a14:useLocalDpi xmlns:a14="http://schemas.microsoft.com/office/drawing/2010/main" val="0"/>
               </a:ext>
             </a:extLst>
           </a:blip>
@@ -6118,7 +6114,7 @@
           <a:noFill/>
           <a:extLst>
             <a:ext uri="{909E8E84-426E-40DD-AFC4-6F175D3DCCD1}">
-              <a14:hiddenFill xmlns="" xmlns:a14="http://schemas.microsoft.com/office/drawing/2010/main">
+              <a14:hiddenFill xmlns:a14="http://schemas.microsoft.com/office/drawing/2010/main">
                 <a:solidFill>
                   <a:srgbClr val="FFFFFF"/>
                 </a:solidFill>
@@ -6132,7 +6128,7 @@
           <p:cNvPr id="17" name="Picture 6" descr="ícone premio, com, uma, estrela Livre de Hawcons Sports Stroke">
             <a:extLst>
               <a:ext uri="{FF2B5EF4-FFF2-40B4-BE49-F238E27FC236}">
-                <a16:creationId xmlns="" xmlns:a16="http://schemas.microsoft.com/office/drawing/2014/main" id="{6DEC8EFF-F062-4886-BF7B-9D3559543EAD}"/>
+                <a16:creationId xmlns:a16="http://schemas.microsoft.com/office/drawing/2014/main" id="{6DEC8EFF-F062-4886-BF7B-9D3559543EAD}"/>
               </a:ext>
             </a:extLst>
           </p:cNvPr>
@@ -6156,7 +6152,7 @@
             <a:lum bright="70000" contrast="-70000"/>
             <a:extLst>
               <a:ext uri="{28A0092B-C50C-407E-A947-70E740481C1C}">
-                <a14:useLocalDpi xmlns="" xmlns:a14="http://schemas.microsoft.com/office/drawing/2010/main" val="0"/>
+                <a14:useLocalDpi xmlns:a14="http://schemas.microsoft.com/office/drawing/2010/main" val="0"/>
               </a:ext>
             </a:extLst>
           </a:blip>
@@ -6176,7 +6172,7 @@
           <a:noFill/>
           <a:extLst>
             <a:ext uri="{909E8E84-426E-40DD-AFC4-6F175D3DCCD1}">
-              <a14:hiddenFill xmlns="" xmlns:a14="http://schemas.microsoft.com/office/drawing/2010/main">
+              <a14:hiddenFill xmlns:a14="http://schemas.microsoft.com/office/drawing/2010/main">
                 <a:solidFill>
                   <a:srgbClr val="FFFFFF"/>
                 </a:solidFill>
@@ -6190,7 +6186,7 @@
           <p:cNvPr id="7" name="Imagem 6">
             <a:extLst>
               <a:ext uri="{FF2B5EF4-FFF2-40B4-BE49-F238E27FC236}">
-                <a16:creationId xmlns="" xmlns:a16="http://schemas.microsoft.com/office/drawing/2014/main" id="{35CE899B-90E9-4B56-BBFE-5406760AA2A7}"/>
+                <a16:creationId xmlns:a16="http://schemas.microsoft.com/office/drawing/2014/main" id="{35CE899B-90E9-4B56-BBFE-5406760AA2A7}"/>
               </a:ext>
             </a:extLst>
           </p:cNvPr>
@@ -6219,7 +6215,7 @@
           <p:cNvPr id="12" name="Gráfico 11" descr="Pódio estrutura de tópicos">
             <a:extLst>
               <a:ext uri="{FF2B5EF4-FFF2-40B4-BE49-F238E27FC236}">
-                <a16:creationId xmlns="" xmlns:a16="http://schemas.microsoft.com/office/drawing/2014/main" id="{AA22EE61-D162-4749-B007-EFE949E00E15}"/>
+                <a16:creationId xmlns:a16="http://schemas.microsoft.com/office/drawing/2014/main" id="{AA22EE61-D162-4749-B007-EFE949E00E15}"/>
               </a:ext>
             </a:extLst>
           </p:cNvPr>
@@ -6232,10 +6228,10 @@
           <a:blip r:embed="rId4" cstate="print">
             <a:extLst>
               <a:ext uri="{28A0092B-C50C-407E-A947-70E740481C1C}">
-                <a14:useLocalDpi xmlns="" xmlns:a14="http://schemas.microsoft.com/office/drawing/2010/main" val="0"/>
+                <a14:useLocalDpi xmlns:a14="http://schemas.microsoft.com/office/drawing/2010/main" val="0"/>
               </a:ext>
               <a:ext uri="{96DAC541-7B7A-43D3-8B79-37D633B846F1}">
-                <asvg:svgBlip xmlns="" xmlns:asvg="http://schemas.microsoft.com/office/drawing/2016/SVG/main" r:embed="rId5"/>
+                <asvg:svgBlip xmlns:asvg="http://schemas.microsoft.com/office/drawing/2016/SVG/main" r:embed="rId5"/>
               </a:ext>
             </a:extLst>
           </a:blip>
@@ -6258,7 +6254,7 @@
           <p:cNvPr id="13" name="TextBox 1">
             <a:extLst>
               <a:ext uri="{FF2B5EF4-FFF2-40B4-BE49-F238E27FC236}">
-                <a16:creationId xmlns="" xmlns:a16="http://schemas.microsoft.com/office/drawing/2014/main" id="{5905B5EA-6B88-4832-A971-1787EC3B3F0B}"/>
+                <a16:creationId xmlns:a16="http://schemas.microsoft.com/office/drawing/2014/main" id="{5905B5EA-6B88-4832-A971-1787EC3B3F0B}"/>
               </a:ext>
             </a:extLst>
           </p:cNvPr>
@@ -6313,7 +6309,7 @@
           <p:cNvPr id="14" name="CaixaDeTexto 5">
             <a:extLst>
               <a:ext uri="{FF2B5EF4-FFF2-40B4-BE49-F238E27FC236}">
-                <a16:creationId xmlns="" xmlns:a16="http://schemas.microsoft.com/office/drawing/2014/main" id="{5E8087FC-230A-4E94-87FD-DF8DAF2AE7C5}"/>
+                <a16:creationId xmlns:a16="http://schemas.microsoft.com/office/drawing/2014/main" id="{5E8087FC-230A-4E94-87FD-DF8DAF2AE7C5}"/>
               </a:ext>
             </a:extLst>
           </p:cNvPr>
@@ -6338,7 +6334,7 @@
           </a:ln>
           <a:extLst>
             <a:ext uri="{91240B29-F687-4F45-9708-019B960494DF}">
-              <a14:hiddenLine xmlns="" xmlns:a14="http://schemas.microsoft.com/office/drawing/2010/main" w="9525">
+              <a14:hiddenLine xmlns:a14="http://schemas.microsoft.com/office/drawing/2010/main" w="9525">
                 <a:solidFill>
                   <a:srgbClr val="000000"/>
                 </a:solidFill>
@@ -6483,7 +6479,7 @@
           <p:cNvPr id="15" name="Retângulo 14">
             <a:extLst>
               <a:ext uri="{FF2B5EF4-FFF2-40B4-BE49-F238E27FC236}">
-                <a16:creationId xmlns="" xmlns:a16="http://schemas.microsoft.com/office/drawing/2014/main" id="{69625603-C5B5-48EF-AE95-C4843C0F2FFF}"/>
+                <a16:creationId xmlns:a16="http://schemas.microsoft.com/office/drawing/2014/main" id="{69625603-C5B5-48EF-AE95-C4843C0F2FFF}"/>
               </a:ext>
             </a:extLst>
           </p:cNvPr>
@@ -6542,7 +6538,7 @@
           <p:cNvPr id="16" name="Retângulo 15">
             <a:extLst>
               <a:ext uri="{FF2B5EF4-FFF2-40B4-BE49-F238E27FC236}">
-                <a16:creationId xmlns="" xmlns:a16="http://schemas.microsoft.com/office/drawing/2014/main" id="{A46E0924-19D5-48A3-A437-7E97CC5DAE83}"/>
+                <a16:creationId xmlns:a16="http://schemas.microsoft.com/office/drawing/2014/main" id="{A46E0924-19D5-48A3-A437-7E97CC5DAE83}"/>
               </a:ext>
             </a:extLst>
           </p:cNvPr>
@@ -6752,7 +6748,7 @@
               <a:buChar char="ü"/>
             </a:pPr>
             <a:r>
-              <a:rPr lang="pt-BR" sz="1200" kern="1200" dirty="0" smtClean="0">
+              <a:rPr lang="pt-BR" sz="1200" kern="1200" dirty="0">
                 <a:solidFill>
                   <a:srgbClr val="887E6F"/>
                 </a:solidFill>
@@ -6762,14 +6758,6 @@
               </a:rPr>
               <a:t>HTML/CSS/JS – Apresentação Criativa</a:t>
             </a:r>
-            <a:endParaRPr lang="pt-BR" sz="1200" kern="1200" dirty="0">
-              <a:solidFill>
-                <a:srgbClr val="887E6F"/>
-              </a:solidFill>
-              <a:latin typeface="Bookman Old Style"/>
-              <a:ea typeface="+mn-ea"/>
-              <a:cs typeface="+mn-cs"/>
-            </a:endParaRPr>
           </a:p>
           <a:p>
             <a:pPr marL="214313" indent="-214313" defTabSz="685800" hangingPunct="1">
@@ -6868,7 +6856,7 @@
           <p:cNvPr id="11" name="Imagem 10" descr="Grupo de pessoas posando para foto em frente a tela de projeção&#10;&#10;Descrição gerada automaticamente com confiança média">
             <a:extLst>
               <a:ext uri="{FF2B5EF4-FFF2-40B4-BE49-F238E27FC236}">
-                <a16:creationId xmlns="" xmlns:a16="http://schemas.microsoft.com/office/drawing/2014/main" id="{35DA1AF6-FF40-9773-BB40-CF9526305E58}"/>
+                <a16:creationId xmlns:a16="http://schemas.microsoft.com/office/drawing/2014/main" id="{35DA1AF6-FF40-9773-BB40-CF9526305E58}"/>
               </a:ext>
             </a:extLst>
           </p:cNvPr>
@@ -6881,7 +6869,7 @@
           <a:blip r:embed="rId6" cstate="print">
             <a:extLst>
               <a:ext uri="{28A0092B-C50C-407E-A947-70E740481C1C}">
-                <a14:useLocalDpi xmlns="" xmlns:a14="http://schemas.microsoft.com/office/drawing/2010/main" val="0"/>
+                <a14:useLocalDpi xmlns:a14="http://schemas.microsoft.com/office/drawing/2010/main" val="0"/>
               </a:ext>
             </a:extLst>
           </a:blip>
@@ -6904,7 +6892,7 @@
           <p:cNvPr id="19" name="Imagem 18" descr="Grupo de pessoas posando para foto em frente a parede azul&#10;&#10;Descrição gerada automaticamente com confiança média">
             <a:extLst>
               <a:ext uri="{FF2B5EF4-FFF2-40B4-BE49-F238E27FC236}">
-                <a16:creationId xmlns="" xmlns:a16="http://schemas.microsoft.com/office/drawing/2014/main" id="{44073BD4-FAE5-7379-06EC-CF82A55C3743}"/>
+                <a16:creationId xmlns:a16="http://schemas.microsoft.com/office/drawing/2014/main" id="{44073BD4-FAE5-7379-06EC-CF82A55C3743}"/>
               </a:ext>
             </a:extLst>
           </p:cNvPr>
@@ -6917,7 +6905,7 @@
           <a:blip r:embed="rId7" cstate="print">
             <a:extLst>
               <a:ext uri="{28A0092B-C50C-407E-A947-70E740481C1C}">
-                <a14:useLocalDpi xmlns="" xmlns:a14="http://schemas.microsoft.com/office/drawing/2010/main" val="0"/>
+                <a14:useLocalDpi xmlns:a14="http://schemas.microsoft.com/office/drawing/2010/main" val="0"/>
               </a:ext>
             </a:extLst>
           </a:blip>
@@ -6938,7 +6926,7 @@
     </p:spTree>
     <p:extLst>
       <p:ext uri="{BB962C8B-B14F-4D97-AF65-F5344CB8AC3E}">
-        <p14:creationId xmlns="" xmlns:p14="http://schemas.microsoft.com/office/powerpoint/2010/main" val="516440124"/>
+        <p14:creationId xmlns:p14="http://schemas.microsoft.com/office/powerpoint/2010/main" val="516440124"/>
       </p:ext>
     </p:extLst>
   </p:cSld>
@@ -6946,13 +6934,6 @@
     <a:masterClrMapping/>
   </p:clrMapOvr>
   <p:transition spd="med"/>
-  <p:timing>
-    <p:tnLst>
-      <p:par>
-        <p:cTn id="1" dur="indefinite" restart="never" nodeType="tmRoot"/>
-      </p:par>
-    </p:tnLst>
-  </p:timing>
 </p:sld>
 </file>
 
@@ -6978,7 +6959,7 @@
           <p:cNvPr id="6" name="Título 1">
             <a:extLst>
               <a:ext uri="{FF2B5EF4-FFF2-40B4-BE49-F238E27FC236}">
-                <a16:creationId xmlns="" xmlns:a16="http://schemas.microsoft.com/office/drawing/2014/main" id="{3DF4DE9F-E280-4DD5-A63B-3C136B01E07D}"/>
+                <a16:creationId xmlns:a16="http://schemas.microsoft.com/office/drawing/2014/main" id="{3DF4DE9F-E280-4DD5-A63B-3C136B01E07D}"/>
               </a:ext>
             </a:extLst>
           </p:cNvPr>
@@ -7029,7 +7010,7 @@
           <p:cNvPr id="5" name="CaixaDeTexto 4">
             <a:extLst>
               <a:ext uri="{FF2B5EF4-FFF2-40B4-BE49-F238E27FC236}">
-                <a16:creationId xmlns="" xmlns:a16="http://schemas.microsoft.com/office/drawing/2014/main" id="{F9B8B476-7807-D7FF-02BC-485EF40A7B76}"/>
+                <a16:creationId xmlns:a16="http://schemas.microsoft.com/office/drawing/2014/main" id="{F9B8B476-7807-D7FF-02BC-485EF40A7B76}"/>
               </a:ext>
             </a:extLst>
           </p:cNvPr>
@@ -7073,17 +7054,13 @@
             <a:pPr algn="just"/>
             <a:r>
               <a:rPr lang="pt-BR" sz="2800" dirty="0"/>
-              <a:t>O </a:t>
-            </a:r>
-            <a:r>
-              <a:rPr lang="pt-BR" sz="2800" dirty="0" smtClean="0"/>
-              <a:t>NID abrindo horizontes para a inclusão do individuo DOWN.</a:t>
+              <a:t>O NID abrindo horizontes para a inclusão do individuo DOWN.</a:t>
             </a:r>
           </a:p>
           <a:p>
             <a:pPr algn="just"/>
             <a:r>
-              <a:rPr lang="pt-BR" sz="2800" dirty="0" smtClean="0"/>
+              <a:rPr lang="pt-BR" sz="2800" dirty="0"/>
               <a:t>O percurso, somos nos que trilhamos com amor e dedicação.</a:t>
             </a:r>
           </a:p>
@@ -7095,20 +7072,15 @@
             <a:pPr algn="just"/>
             <a:r>
               <a:rPr lang="pt-BR" sz="2800" dirty="0"/>
-              <a:t>			</a:t>
-            </a:r>
-            <a:r>
-              <a:rPr lang="pt-BR" sz="2800" dirty="0" smtClean="0"/>
-              <a:t>          Gratidão sempre!</a:t>
-            </a:r>
-            <a:endParaRPr lang="pt-BR" sz="2800" dirty="0"/>
+              <a:t>			          Gratidão sempre!</a:t>
+            </a:r>
           </a:p>
         </p:txBody>
       </p:sp>
     </p:spTree>
     <p:extLst>
       <p:ext uri="{BB962C8B-B14F-4D97-AF65-F5344CB8AC3E}">
-        <p14:creationId xmlns="" xmlns:p14="http://schemas.microsoft.com/office/powerpoint/2010/main" val="924422747"/>
+        <p14:creationId xmlns:p14="http://schemas.microsoft.com/office/powerpoint/2010/main" val="924422747"/>
       </p:ext>
     </p:extLst>
   </p:cSld>
@@ -7116,13 +7088,6 @@
     <a:masterClrMapping/>
   </p:clrMapOvr>
   <p:transition spd="med"/>
-  <p:timing>
-    <p:tnLst>
-      <p:par>
-        <p:cTn id="1" dur="indefinite" restart="never" nodeType="tmRoot"/>
-      </p:par>
-    </p:tnLst>
-  </p:timing>
 </p:sld>
 </file>
 
@@ -7148,7 +7113,7 @@
           <p:cNvPr id="6" name="Título 1">
             <a:extLst>
               <a:ext uri="{FF2B5EF4-FFF2-40B4-BE49-F238E27FC236}">
-                <a16:creationId xmlns="" xmlns:a16="http://schemas.microsoft.com/office/drawing/2014/main" id="{3DF4DE9F-E280-4DD5-A63B-3C136B01E07D}"/>
+                <a16:creationId xmlns:a16="http://schemas.microsoft.com/office/drawing/2014/main" id="{3DF4DE9F-E280-4DD5-A63B-3C136B01E07D}"/>
               </a:ext>
             </a:extLst>
           </p:cNvPr>
@@ -7235,7 +7200,7 @@
     </p:spTree>
     <p:extLst>
       <p:ext uri="{BB962C8B-B14F-4D97-AF65-F5344CB8AC3E}">
-        <p14:creationId xmlns="" xmlns:p14="http://schemas.microsoft.com/office/powerpoint/2010/main" val="3432997003"/>
+        <p14:creationId xmlns:p14="http://schemas.microsoft.com/office/powerpoint/2010/main" val="3432997003"/>
       </p:ext>
     </p:extLst>
   </p:cSld>
@@ -7245,13 +7210,6 @@
   <p:transition spd="med">
     <p:wheel spokes="3"/>
   </p:transition>
-  <p:timing>
-    <p:tnLst>
-      <p:par>
-        <p:cTn id="1" dur="indefinite" restart="never" nodeType="tmRoot"/>
-      </p:par>
-    </p:tnLst>
-  </p:timing>
 </p:sld>
 </file>
 
@@ -7277,7 +7235,7 @@
           <p:cNvPr id="6" name="Título 1">
             <a:extLst>
               <a:ext uri="{FF2B5EF4-FFF2-40B4-BE49-F238E27FC236}">
-                <a16:creationId xmlns="" xmlns:a16="http://schemas.microsoft.com/office/drawing/2014/main" id="{3DF4DE9F-E280-4DD5-A63B-3C136B01E07D}"/>
+                <a16:creationId xmlns:a16="http://schemas.microsoft.com/office/drawing/2014/main" id="{3DF4DE9F-E280-4DD5-A63B-3C136B01E07D}"/>
               </a:ext>
             </a:extLst>
           </p:cNvPr>
@@ -7308,7 +7266,7 @@
           <a:p>
             <a:pPr algn="ctr"/>
             <a:r>
-              <a:rPr lang="pt-BR" dirty="0" smtClean="0">
+              <a:rPr lang="pt-BR" dirty="0">
                 <a:solidFill>
                   <a:schemeClr val="bg1"/>
                 </a:solidFill>
@@ -7328,7 +7286,7 @@
           <p:cNvPr id="3" name="CaixaDeTexto 2">
             <a:extLst>
               <a:ext uri="{FF2B5EF4-FFF2-40B4-BE49-F238E27FC236}">
-                <a16:creationId xmlns="" xmlns:a16="http://schemas.microsoft.com/office/drawing/2014/main" id="{06AB9A6D-08A1-908B-57E7-6FA4F6F98C0E}"/>
+                <a16:creationId xmlns:a16="http://schemas.microsoft.com/office/drawing/2014/main" id="{06AB9A6D-08A1-908B-57E7-6FA4F6F98C0E}"/>
               </a:ext>
             </a:extLst>
           </p:cNvPr>
@@ -7371,10 +7329,9 @@
           <a:p>
             <a:pPr algn="ctr"/>
             <a:r>
-              <a:rPr lang="pt-BR" sz="2800" dirty="0" smtClean="0"/>
+              <a:rPr lang="pt-BR" sz="2800" dirty="0"/>
               <a:t>Assista meu vídeocast clicando a baixo:</a:t>
             </a:r>
-            <a:endParaRPr lang="pt-BR" sz="2800" dirty="0"/>
           </a:p>
           <a:p>
             <a:pPr algn="ctr"/>
@@ -7385,13 +7342,13 @@
           <a:p>
             <a:pPr algn="ctr"/>
             <a:r>
-              <a:rPr lang="pt-BR" sz="2800" dirty="0" err="1" smtClean="0">
+              <a:rPr lang="pt-BR" sz="2800" dirty="0" err="1">
                 <a:hlinkClick r:id="rId2" action="ppaction://hlinkfile"/>
               </a:rPr>
               <a:t>videocast</a:t>
             </a:r>
             <a:r>
-              <a:rPr lang="pt-BR" sz="2800" dirty="0" smtClean="0">
+              <a:rPr lang="pt-BR" sz="2800" dirty="0">
                 <a:hlinkClick r:id="rId2" action="ppaction://hlinkfile"/>
               </a:rPr>
               <a:t>.mp4</a:t>
@@ -7403,7 +7360,7 @@
     </p:spTree>
     <p:extLst>
       <p:ext uri="{BB962C8B-B14F-4D97-AF65-F5344CB8AC3E}">
-        <p14:creationId xmlns="" xmlns:p14="http://schemas.microsoft.com/office/powerpoint/2010/main" val="3769137977"/>
+        <p14:creationId xmlns:p14="http://schemas.microsoft.com/office/powerpoint/2010/main" val="3769137977"/>
       </p:ext>
     </p:extLst>
   </p:cSld>
@@ -7411,13 +7368,6 @@
     <a:masterClrMapping/>
   </p:clrMapOvr>
   <p:transition spd="med"/>
-  <p:timing>
-    <p:tnLst>
-      <p:par>
-        <p:cTn id="1" dur="indefinite" restart="never" nodeType="tmRoot"/>
-      </p:par>
-    </p:tnLst>
-  </p:timing>
 </p:sld>
 </file>
 
@@ -7443,7 +7393,7 @@
           <p:cNvPr id="6" name="Título 1">
             <a:extLst>
               <a:ext uri="{FF2B5EF4-FFF2-40B4-BE49-F238E27FC236}">
-                <a16:creationId xmlns="" xmlns:a16="http://schemas.microsoft.com/office/drawing/2014/main" id="{3DF4DE9F-E280-4DD5-A63B-3C136B01E07D}"/>
+                <a16:creationId xmlns:a16="http://schemas.microsoft.com/office/drawing/2014/main" id="{3DF4DE9F-E280-4DD5-A63B-3C136B01E07D}"/>
               </a:ext>
             </a:extLst>
           </p:cNvPr>
@@ -7474,7 +7424,7 @@
           <a:p>
             <a:pPr algn="ctr"/>
             <a:r>
-              <a:rPr lang="pt-BR" sz="3600" dirty="0" smtClean="0">
+              <a:rPr lang="pt-BR" sz="3600" dirty="0">
                 <a:solidFill>
                   <a:schemeClr val="bg1"/>
                 </a:solidFill>
@@ -7494,7 +7444,7 @@
           <p:cNvPr id="3" name="CaixaDeTexto 2">
             <a:extLst>
               <a:ext uri="{FF2B5EF4-FFF2-40B4-BE49-F238E27FC236}">
-                <a16:creationId xmlns="" xmlns:a16="http://schemas.microsoft.com/office/drawing/2014/main" id="{F3E09FF9-A387-77A1-FE78-D4901EDF16F4}"/>
+                <a16:creationId xmlns:a16="http://schemas.microsoft.com/office/drawing/2014/main" id="{F3E09FF9-A387-77A1-FE78-D4901EDF16F4}"/>
               </a:ext>
             </a:extLst>
           </p:cNvPr>
@@ -7558,12 +7508,8 @@
               <a:buChar char="ü"/>
             </a:pPr>
             <a:r>
-              <a:rPr lang="pt-BR" sz="2000" dirty="0" smtClean="0"/>
-              <a:t>CSS </a:t>
-            </a:r>
-            <a:r>
               <a:rPr lang="pt-BR" sz="2000" dirty="0"/>
-              <a:t>(Visual)</a:t>
+              <a:t>CSS (Visual)</a:t>
             </a:r>
           </a:p>
           <a:p>
@@ -7572,10 +7518,9 @@
               <a:buChar char="ü"/>
             </a:pPr>
             <a:r>
-              <a:rPr lang="pt-BR" sz="2000" dirty="0" smtClean="0"/>
+              <a:rPr lang="pt-BR" sz="2000" dirty="0"/>
               <a:t>JS</a:t>
             </a:r>
-            <a:endParaRPr lang="pt-BR" sz="2000" dirty="0"/>
           </a:p>
         </p:txBody>
       </p:sp>
@@ -7980,7 +7925,7 @@
     </p:spTree>
     <p:extLst>
       <p:ext uri="{BB962C8B-B14F-4D97-AF65-F5344CB8AC3E}">
-        <p14:creationId xmlns="" xmlns:p14="http://schemas.microsoft.com/office/powerpoint/2010/main" val="3149486112"/>
+        <p14:creationId xmlns:p14="http://schemas.microsoft.com/office/powerpoint/2010/main" val="3149486112"/>
       </p:ext>
     </p:extLst>
   </p:cSld>
@@ -7988,13 +7933,6 @@
     <a:masterClrMapping/>
   </p:clrMapOvr>
   <p:transition spd="med"/>
-  <p:timing>
-    <p:tnLst>
-      <p:par>
-        <p:cTn id="1" dur="indefinite" restart="never" nodeType="tmRoot"/>
-      </p:par>
-    </p:tnLst>
-  </p:timing>
 </p:sld>
 </file>
 
@@ -8020,7 +7958,7 @@
           <p:cNvPr id="6" name="Título 1">
             <a:extLst>
               <a:ext uri="{FF2B5EF4-FFF2-40B4-BE49-F238E27FC236}">
-                <a16:creationId xmlns="" xmlns:a16="http://schemas.microsoft.com/office/drawing/2014/main" id="{3DF4DE9F-E280-4DD5-A63B-3C136B01E07D}"/>
+                <a16:creationId xmlns:a16="http://schemas.microsoft.com/office/drawing/2014/main" id="{3DF4DE9F-E280-4DD5-A63B-3C136B01E07D}"/>
               </a:ext>
             </a:extLst>
           </p:cNvPr>
@@ -8071,7 +8009,7 @@
           <p:cNvPr id="3" name="CaixaDeTexto 2">
             <a:extLst>
               <a:ext uri="{FF2B5EF4-FFF2-40B4-BE49-F238E27FC236}">
-                <a16:creationId xmlns="" xmlns:a16="http://schemas.microsoft.com/office/drawing/2014/main" id="{3A789A5C-FF39-A65D-B397-3F1F63DDEA9F}"/>
+                <a16:creationId xmlns:a16="http://schemas.microsoft.com/office/drawing/2014/main" id="{3A789A5C-FF39-A65D-B397-3F1F63DDEA9F}"/>
               </a:ext>
             </a:extLst>
           </p:cNvPr>
@@ -8112,17 +8050,17 @@
           </a:bodyPr>
           <a:lstStyle/>
           <a:p>
-            <a:endParaRPr lang="pt-BR" sz="3600" dirty="0" smtClean="0"/>
+            <a:endParaRPr lang="pt-BR" sz="3600" dirty="0"/>
           </a:p>
           <a:p>
             <a:r>
-              <a:rPr lang="pt-BR" sz="3600" dirty="0" smtClean="0">
+              <a:rPr lang="pt-BR" sz="3600" dirty="0">
                 <a:hlinkClick r:id="rId2"/>
               </a:rPr>
               <a:t>https://leonleal.netlify.app/</a:t>
             </a:r>
             <a:r>
-              <a:rPr lang="pt-BR" sz="3600" dirty="0" smtClean="0"/>
+              <a:rPr lang="pt-BR" sz="3600" dirty="0"/>
               <a:t> </a:t>
             </a:r>
           </a:p>
@@ -8137,7 +8075,7 @@
     </p:spTree>
     <p:extLst>
       <p:ext uri="{BB962C8B-B14F-4D97-AF65-F5344CB8AC3E}">
-        <p14:creationId xmlns="" xmlns:p14="http://schemas.microsoft.com/office/powerpoint/2010/main" val="882022721"/>
+        <p14:creationId xmlns:p14="http://schemas.microsoft.com/office/powerpoint/2010/main" val="882022721"/>
       </p:ext>
     </p:extLst>
   </p:cSld>
@@ -8145,13 +8083,6 @@
     <a:masterClrMapping/>
   </p:clrMapOvr>
   <p:transition spd="med"/>
-  <p:timing>
-    <p:tnLst>
-      <p:par>
-        <p:cTn id="1" dur="indefinite" restart="never" nodeType="tmRoot"/>
-      </p:par>
-    </p:tnLst>
-  </p:timing>
 </p:sld>
 </file>
 
@@ -8177,7 +8108,7 @@
           <p:cNvPr id="6" name="Título 1">
             <a:extLst>
               <a:ext uri="{FF2B5EF4-FFF2-40B4-BE49-F238E27FC236}">
-                <a16:creationId xmlns="" xmlns:a16="http://schemas.microsoft.com/office/drawing/2014/main" id="{3DF4DE9F-E280-4DD5-A63B-3C136B01E07D}"/>
+                <a16:creationId xmlns:a16="http://schemas.microsoft.com/office/drawing/2014/main" id="{3DF4DE9F-E280-4DD5-A63B-3C136B01E07D}"/>
               </a:ext>
             </a:extLst>
           </p:cNvPr>
@@ -8228,7 +8159,7 @@
           <p:cNvPr id="4" name="Imagem 3" descr="Desenho de personagem de desenho animado&#10;&#10;Descrição gerada automaticamente com confiança média">
             <a:extLst>
               <a:ext uri="{FF2B5EF4-FFF2-40B4-BE49-F238E27FC236}">
-                <a16:creationId xmlns="" xmlns:a16="http://schemas.microsoft.com/office/drawing/2014/main" id="{1378898C-F74D-AA36-2F6F-380979EB09D0}"/>
+                <a16:creationId xmlns:a16="http://schemas.microsoft.com/office/drawing/2014/main" id="{1378898C-F74D-AA36-2F6F-380979EB09D0}"/>
               </a:ext>
             </a:extLst>
           </p:cNvPr>
@@ -8241,7 +8172,7 @@
           <a:blip r:embed="rId2">
             <a:extLst>
               <a:ext uri="{28A0092B-C50C-407E-A947-70E740481C1C}">
-                <a14:useLocalDpi xmlns="" xmlns:a14="http://schemas.microsoft.com/office/drawing/2010/main" val="0"/>
+                <a14:useLocalDpi xmlns:a14="http://schemas.microsoft.com/office/drawing/2010/main" val="0"/>
               </a:ext>
             </a:extLst>
           </a:blip>
@@ -8264,7 +8195,7 @@
           <p:cNvPr id="7" name="CaixaDeTexto 6">
             <a:extLst>
               <a:ext uri="{FF2B5EF4-FFF2-40B4-BE49-F238E27FC236}">
-                <a16:creationId xmlns="" xmlns:a16="http://schemas.microsoft.com/office/drawing/2014/main" id="{5BBE010C-C099-164D-8B47-31F3B7D86BFD}"/>
+                <a16:creationId xmlns:a16="http://schemas.microsoft.com/office/drawing/2014/main" id="{5BBE010C-C099-164D-8B47-31F3B7D86BFD}"/>
               </a:ext>
             </a:extLst>
           </p:cNvPr>
@@ -8325,7 +8256,7 @@
     </p:spTree>
     <p:extLst>
       <p:ext uri="{BB962C8B-B14F-4D97-AF65-F5344CB8AC3E}">
-        <p14:creationId xmlns="" xmlns:p14="http://schemas.microsoft.com/office/powerpoint/2010/main" val="2794140249"/>
+        <p14:creationId xmlns:p14="http://schemas.microsoft.com/office/powerpoint/2010/main" val="2794140249"/>
       </p:ext>
     </p:extLst>
   </p:cSld>
@@ -8333,13 +8264,6 @@
     <a:masterClrMapping/>
   </p:clrMapOvr>
   <p:transition spd="med"/>
-  <p:timing>
-    <p:tnLst>
-      <p:par>
-        <p:cTn id="1" dur="indefinite" restart="never" nodeType="tmRoot"/>
-      </p:par>
-    </p:tnLst>
-  </p:timing>
 </p:sld>
 </file>
 
@@ -8365,7 +8289,7 @@
           <p:cNvPr id="2" name="Title 1">
             <a:extLst>
               <a:ext uri="{FF2B5EF4-FFF2-40B4-BE49-F238E27FC236}">
-                <a16:creationId xmlns="" xmlns:a16="http://schemas.microsoft.com/office/drawing/2014/main" id="{EAC87C63-F2EC-3C46-F573-CE240809155A}"/>
+                <a16:creationId xmlns:a16="http://schemas.microsoft.com/office/drawing/2014/main" id="{EAC87C63-F2EC-3C46-F573-CE240809155A}"/>
               </a:ext>
             </a:extLst>
           </p:cNvPr>
@@ -8387,7 +8311,7 @@
           </a:ln>
           <a:extLst>
             <a:ext uri="{C572A759-6A51-4108-AA02-DFA0A04FC94B}">
-              <ma14:wrappingTextBoxFlag xmlns="" xmlns:ma14="http://schemas.microsoft.com/office/mac/drawingml/2011/main" val="1"/>
+              <ma14:wrappingTextBoxFlag xmlns:ma14="http://schemas.microsoft.com/office/mac/drawingml/2011/main" xmlns="" val="1"/>
             </a:ext>
           </a:extLst>
         </p:spPr>
@@ -8682,7 +8606,7 @@
           <p:cNvPr id="3" name="Imagem 2" descr="Texto&#10;&#10;Descrição gerada automaticamente">
             <a:extLst>
               <a:ext uri="{FF2B5EF4-FFF2-40B4-BE49-F238E27FC236}">
-                <a16:creationId xmlns="" xmlns:a16="http://schemas.microsoft.com/office/drawing/2014/main" id="{1C2F900C-EE5A-7164-7F89-765D0400DEA3}"/>
+                <a16:creationId xmlns:a16="http://schemas.microsoft.com/office/drawing/2014/main" id="{1C2F900C-EE5A-7164-7F89-765D0400DEA3}"/>
               </a:ext>
             </a:extLst>
           </p:cNvPr>
@@ -8695,7 +8619,7 @@
           <a:blip r:embed="rId2">
             <a:extLst>
               <a:ext uri="{28A0092B-C50C-407E-A947-70E740481C1C}">
-                <a14:useLocalDpi xmlns="" xmlns:a14="http://schemas.microsoft.com/office/drawing/2010/main" val="0"/>
+                <a14:useLocalDpi xmlns:a14="http://schemas.microsoft.com/office/drawing/2010/main" val="0"/>
               </a:ext>
             </a:extLst>
           </a:blip>
@@ -8718,7 +8642,7 @@
           <p:cNvPr id="4" name="Imagem 3" descr="Logotipo, nome da empresa&#10;&#10;Descrição gerada automaticamente">
             <a:extLst>
               <a:ext uri="{FF2B5EF4-FFF2-40B4-BE49-F238E27FC236}">
-                <a16:creationId xmlns="" xmlns:a16="http://schemas.microsoft.com/office/drawing/2014/main" id="{C58B852A-A624-BE81-774D-4D07B346FC5F}"/>
+                <a16:creationId xmlns:a16="http://schemas.microsoft.com/office/drawing/2014/main" id="{C58B852A-A624-BE81-774D-4D07B346FC5F}"/>
               </a:ext>
             </a:extLst>
           </p:cNvPr>
@@ -8731,7 +8655,7 @@
           <a:blip r:embed="rId3" cstate="print">
             <a:extLst>
               <a:ext uri="{28A0092B-C50C-407E-A947-70E740481C1C}">
-                <a14:useLocalDpi xmlns="" xmlns:a14="http://schemas.microsoft.com/office/drawing/2010/main" val="0"/>
+                <a14:useLocalDpi xmlns:a14="http://schemas.microsoft.com/office/drawing/2010/main" val="0"/>
               </a:ext>
             </a:extLst>
           </a:blip>
@@ -8755,13 +8679,6 @@
     <a:masterClrMapping/>
   </p:clrMapOvr>
   <p:transition spd="med"/>
-  <p:timing>
-    <p:tnLst>
-      <p:par>
-        <p:cTn id="1" dur="indefinite" restart="never" nodeType="tmRoot"/>
-      </p:par>
-    </p:tnLst>
-  </p:timing>
 </p:sld>
 </file>
 
@@ -10972,21 +10889,6 @@
 </file>
 
 <file path=customXml/item1.xml><?xml version="1.0" encoding="utf-8"?>
-<?mso-contentType ?>
-<FormTemplates xmlns="http://schemas.microsoft.com/sharepoint/v3/contenttype/forms">
-  <Display>DocumentLibraryForm</Display>
-  <Edit>DocumentLibraryForm</Edit>
-  <New>DocumentLibraryForm</New>
-</FormTemplates>
-</file>
-
-<file path=customXml/item2.xml><?xml version="1.0" encoding="utf-8"?>
-<p:properties xmlns:p="http://schemas.microsoft.com/office/2006/metadata/properties" xmlns:xsi="http://www.w3.org/2001/XMLSchema-instance" xmlns:pc="http://schemas.microsoft.com/office/infopath/2007/PartnerControls">
-  <documentManagement/>
-</p:properties>
-</file>
-
-<file path=customXml/item3.xml><?xml version="1.0" encoding="utf-8"?>
 <ct:contentTypeSchema xmlns:ct="http://schemas.microsoft.com/office/2006/metadata/contentType" xmlns:ma="http://schemas.microsoft.com/office/2006/metadata/properties/metaAttributes" ct:_="" ma:_="" ma:contentTypeName="Documento" ma:contentTypeID="0x010100E7E326A6FBD7C948AAF887265A2DB080" ma:contentTypeVersion="13" ma:contentTypeDescription="Crie um novo documento." ma:contentTypeScope="" ma:versionID="5629727caf6964b78819cfb788ada473">
   <xsd:schema xmlns:xsd="http://www.w3.org/2001/XMLSchema" xmlns:xs="http://www.w3.org/2001/XMLSchema" xmlns:p="http://schemas.microsoft.com/office/2006/metadata/properties" xmlns:ns2="bab2302b-9cf7-40b9-b316-803bc24ea342" xmlns:ns3="c298cbf6-df3b-44f4-88ee-2b3d9158f680" targetNamespace="http://schemas.microsoft.com/office/2006/metadata/properties" ma:root="true" ma:fieldsID="929990cc5bdd3bebd2af3f9d94cdeeec" ns2:_="" ns3:_="">
     <xsd:import namespace="bab2302b-9cf7-40b9-b316-803bc24ea342"/>
@@ -11209,24 +11111,22 @@
 </ct:contentTypeSchema>
 </file>
 
-<file path=customXml/itemProps1.xml><?xml version="1.0" encoding="utf-8"?>
-<ds:datastoreItem xmlns:ds="http://schemas.openxmlformats.org/officeDocument/2006/customXml" ds:itemID="{AED456AD-07D2-43E3-AD57-2C9049066662}">
-  <ds:schemaRefs>
-    <ds:schemaRef ds:uri="http://schemas.microsoft.com/sharepoint/v3/contenttype/forms"/>
-  </ds:schemaRefs>
-</ds:datastoreItem>
+<file path=customXml/item2.xml><?xml version="1.0" encoding="utf-8"?>
+<p:properties xmlns:p="http://schemas.microsoft.com/office/2006/metadata/properties" xmlns:xsi="http://www.w3.org/2001/XMLSchema-instance" xmlns:pc="http://schemas.microsoft.com/office/infopath/2007/PartnerControls">
+  <documentManagement/>
+</p:properties>
 </file>
 
-<file path=customXml/itemProps2.xml><?xml version="1.0" encoding="utf-8"?>
-<ds:datastoreItem xmlns:ds="http://schemas.openxmlformats.org/officeDocument/2006/customXml" ds:itemID="{961A30F4-F1EA-4F98-A164-76D337EE5565}">
-  <ds:schemaRefs>
-    <ds:schemaRef ds:uri="http://schemas.microsoft.com/office/2006/metadata/properties"/>
-    <ds:schemaRef ds:uri="http://schemas.microsoft.com/office/infopath/2007/PartnerControls"/>
-  </ds:schemaRefs>
-</ds:datastoreItem>
+<file path=customXml/item3.xml><?xml version="1.0" encoding="utf-8"?>
+<?mso-contentType ?>
+<FormTemplates xmlns="http://schemas.microsoft.com/sharepoint/v3/contenttype/forms">
+  <Display>DocumentLibraryForm</Display>
+  <Edit>DocumentLibraryForm</Edit>
+  <New>DocumentLibraryForm</New>
+</FormTemplates>
 </file>
 
-<file path=customXml/itemProps3.xml><?xml version="1.0" encoding="utf-8"?>
+<file path=customXml/itemProps1.xml><?xml version="1.0" encoding="utf-8"?>
 <ds:datastoreItem xmlns:ds="http://schemas.openxmlformats.org/officeDocument/2006/customXml" ds:itemID="{6A7BB859-CC6B-497C-9B96-0A0D80ADCD36}">
   <ds:schemaRefs>
     <ds:schemaRef ds:uri="http://schemas.microsoft.com/office/2006/metadata/contentType"/>
@@ -11243,4 +11143,21 @@
     <ds:schemaRef ds:uri="http://schemas.microsoft.com/internal/obd"/>
   </ds:schemaRefs>
 </ds:datastoreItem>
+</file>
+
+<file path=customXml/itemProps2.xml><?xml version="1.0" encoding="utf-8"?>
+<ds:datastoreItem xmlns:ds="http://schemas.openxmlformats.org/officeDocument/2006/customXml" ds:itemID="{961A30F4-F1EA-4F98-A164-76D337EE5565}">
+  <ds:schemaRefs>
+    <ds:schemaRef ds:uri="http://schemas.microsoft.com/office/2006/metadata/properties"/>
+    <ds:schemaRef ds:uri="http://schemas.microsoft.com/office/infopath/2007/PartnerControls"/>
+  </ds:schemaRefs>
+</ds:datastoreItem>
+</file>
+
+<file path=customXml/itemProps3.xml><?xml version="1.0" encoding="utf-8"?>
+<ds:datastoreItem xmlns:ds="http://schemas.openxmlformats.org/officeDocument/2006/customXml" ds:itemID="{AED456AD-07D2-43E3-AD57-2C9049066662}">
+  <ds:schemaRefs>
+    <ds:schemaRef ds:uri="http://schemas.microsoft.com/sharepoint/v3/contenttype/forms"/>
+  </ds:schemaRefs>
+</ds:datastoreItem>
 </file>